--- a/fuentes/contenidos/grado07/guion09/MapaConceptual_MA_07_09_CO.pptx
+++ b/fuentes/contenidos/grado07/guion09/MapaConceptual_MA_07_09_CO.pptx
@@ -255,7 +255,7 @@
             <a:fld id="{C764DE79-268F-4C1A-8933-263129D2AF90}" type="datetimeFigureOut">
               <a:rPr lang="en-US" smtClean="0"/>
               <a:pPr/>
-              <a:t>2/22/2016</a:t>
+              <a:t>3/22/2016</a:t>
             </a:fld>
             <a:endParaRPr lang="en-US" dirty="0"/>
           </a:p>
@@ -427,7 +427,7 @@
             <a:fld id="{C764DE79-268F-4C1A-8933-263129D2AF90}" type="datetimeFigureOut">
               <a:rPr lang="en-US" smtClean="0"/>
               <a:pPr/>
-              <a:t>2/22/2016</a:t>
+              <a:t>3/22/2016</a:t>
             </a:fld>
             <a:endParaRPr lang="en-US" dirty="0"/>
           </a:p>
@@ -609,7 +609,7 @@
             <a:fld id="{C764DE79-268F-4C1A-8933-263129D2AF90}" type="datetimeFigureOut">
               <a:rPr lang="en-US" smtClean="0"/>
               <a:pPr/>
-              <a:t>2/22/2016</a:t>
+              <a:t>3/22/2016</a:t>
             </a:fld>
             <a:endParaRPr lang="en-US" dirty="0"/>
           </a:p>
@@ -1077,7 +1077,7 @@
             <a:fld id="{C764DE79-268F-4C1A-8933-263129D2AF90}" type="datetimeFigureOut">
               <a:rPr lang="en-US" smtClean="0"/>
               <a:pPr/>
-              <a:t>2/22/2016</a:t>
+              <a:t>3/22/2016</a:t>
             </a:fld>
             <a:endParaRPr lang="en-US" dirty="0"/>
           </a:p>
@@ -1399,7 +1399,7 @@
             <a:fld id="{C764DE79-268F-4C1A-8933-263129D2AF90}" type="datetimeFigureOut">
               <a:rPr lang="en-US" smtClean="0"/>
               <a:pPr/>
-              <a:t>2/22/2016</a:t>
+              <a:t>3/22/2016</a:t>
             </a:fld>
             <a:endParaRPr lang="en-US" dirty="0"/>
           </a:p>
@@ -1633,7 +1633,7 @@
             <a:fld id="{C764DE79-268F-4C1A-8933-263129D2AF90}" type="datetimeFigureOut">
               <a:rPr lang="en-US" smtClean="0"/>
               <a:pPr/>
-              <a:t>2/22/2016</a:t>
+              <a:t>3/22/2016</a:t>
             </a:fld>
             <a:endParaRPr lang="en-US" dirty="0"/>
           </a:p>
@@ -2002,7 +2002,7 @@
             <a:fld id="{C764DE79-268F-4C1A-8933-263129D2AF90}" type="datetimeFigureOut">
               <a:rPr lang="en-US" smtClean="0"/>
               <a:pPr/>
-              <a:t>2/22/2016</a:t>
+              <a:t>3/22/2016</a:t>
             </a:fld>
             <a:endParaRPr lang="en-US" dirty="0"/>
           </a:p>
@@ -2122,7 +2122,7 @@
             <a:fld id="{C764DE79-268F-4C1A-8933-263129D2AF90}" type="datetimeFigureOut">
               <a:rPr lang="en-US" smtClean="0"/>
               <a:pPr/>
-              <a:t>2/22/2016</a:t>
+              <a:t>3/22/2016</a:t>
             </a:fld>
             <a:endParaRPr lang="en-US" dirty="0"/>
           </a:p>
@@ -2219,7 +2219,7 @@
             <a:fld id="{5001C876-01F7-4317-94B9-1AE222133113}" type="datetimeFigureOut">
               <a:rPr lang="es-ES" smtClean="0"/>
               <a:pPr/>
-              <a:t>22/02/2016</a:t>
+              <a:t>22/03/2016</a:t>
             </a:fld>
             <a:endParaRPr lang="es-ES"/>
           </a:p>
@@ -2498,7 +2498,7 @@
             <a:fld id="{C764DE79-268F-4C1A-8933-263129D2AF90}" type="datetimeFigureOut">
               <a:rPr lang="en-US" smtClean="0"/>
               <a:pPr/>
-              <a:t>2/22/2016</a:t>
+              <a:t>3/22/2016</a:t>
             </a:fld>
             <a:endParaRPr lang="en-US" dirty="0"/>
           </a:p>
@@ -2757,7 +2757,7 @@
             <a:fld id="{C764DE79-268F-4C1A-8933-263129D2AF90}" type="datetimeFigureOut">
               <a:rPr lang="en-US" smtClean="0"/>
               <a:pPr/>
-              <a:t>2/22/2016</a:t>
+              <a:t>3/22/2016</a:t>
             </a:fld>
             <a:endParaRPr lang="en-US" dirty="0"/>
           </a:p>
@@ -2972,7 +2972,7 @@
             <a:fld id="{C764DE79-268F-4C1A-8933-263129D2AF90}" type="datetimeFigureOut">
               <a:rPr lang="en-US" smtClean="0"/>
               <a:pPr/>
-              <a:t>2/22/2016</a:t>
+              <a:t>3/22/2016</a:t>
             </a:fld>
             <a:endParaRPr lang="en-US" dirty="0"/>
           </a:p>
@@ -7419,98 +7419,94 @@
           <a:lstStyle/>
           <a:p>
             <a:r>
-              <a:rPr lang="es-ES_tradnl" sz="900"/>
+              <a:rPr lang="es-ES_tradnl" sz="900" dirty="0" smtClean="0"/>
               <a:t>8</a:t>
             </a:r>
             <a:r>
-              <a:rPr lang="es-ES_tradnl" sz="900" i="1"/>
-              <a:t>a</a:t>
-            </a:r>
-            <a:r>
-              <a:rPr lang="es-ES_tradnl" sz="900" baseline="30000"/>
-              <a:t>4</a:t>
-            </a:r>
-            <a:r>
-              <a:rPr lang="es-ES_tradnl" sz="900" i="1"/>
-              <a:t>x</a:t>
-            </a:r>
-            <a:r>
-              <a:rPr lang="es-ES_tradnl" sz="900"/>
-              <a:t> + (–5</a:t>
-            </a:r>
-            <a:r>
-              <a:rPr lang="es-ES_tradnl" sz="900" i="1"/>
-              <a:t>a</a:t>
-            </a:r>
-            <a:r>
-              <a:rPr lang="es-ES_tradnl" sz="900" baseline="30000"/>
-              <a:t>4</a:t>
-            </a:r>
-            <a:r>
-              <a:rPr lang="es-ES_tradnl" sz="900" i="1"/>
-              <a:t>x</a:t>
-            </a:r>
-            <a:r>
-              <a:rPr lang="es-ES_tradnl" sz="900"/>
-              <a:t>) = 3</a:t>
-            </a:r>
-            <a:r>
-              <a:rPr lang="es-ES_tradnl" sz="900" i="1"/>
-              <a:t>a</a:t>
-            </a:r>
-            <a:r>
-              <a:rPr lang="es-ES_tradnl" sz="900" baseline="30000"/>
-              <a:t>4</a:t>
-            </a:r>
-            <a:r>
-              <a:rPr lang="es-ES_tradnl" sz="900" i="1"/>
-              <a:t>x</a:t>
-            </a:r>
-            <a:endParaRPr lang="es-CO" sz="900" i="1"/>
+              <a:rPr lang="es-ES_tradnl" sz="900" i="1" dirty="0" smtClean="0"/>
+              <a:t>ax</a:t>
+            </a:r>
+            <a:r>
+              <a:rPr lang="es-ES_tradnl" sz="900" dirty="0" smtClean="0"/>
+              <a:t> </a:t>
+            </a:r>
+            <a:r>
+              <a:rPr lang="es-ES_tradnl" sz="900" dirty="0"/>
+              <a:t>+ (–</a:t>
+            </a:r>
+            <a:r>
+              <a:rPr lang="es-ES_tradnl" sz="900" dirty="0" smtClean="0"/>
+              <a:t>5</a:t>
+            </a:r>
+            <a:r>
+              <a:rPr lang="es-ES_tradnl" sz="900" i="1" dirty="0" smtClean="0"/>
+              <a:t>ax</a:t>
+            </a:r>
+            <a:r>
+              <a:rPr lang="es-ES_tradnl" sz="900" dirty="0"/>
+              <a:t>) = </a:t>
+            </a:r>
+            <a:r>
+              <a:rPr lang="es-ES_tradnl" sz="900" dirty="0" smtClean="0"/>
+              <a:t>3</a:t>
+            </a:r>
+            <a:r>
+              <a:rPr lang="es-ES_tradnl" sz="900" i="1" dirty="0" smtClean="0"/>
+              <a:t>ax</a:t>
+            </a:r>
+            <a:endParaRPr lang="es-CO" sz="900" i="1" dirty="0"/>
           </a:p>
           <a:p>
             <a:pPr algn="ctr"/>
             <a:r>
-              <a:rPr lang="es-ES_tradnl" sz="900"/>
-              <a:t>–27</a:t>
-            </a:r>
-            <a:r>
-              <a:rPr lang="es-ES_tradnl" sz="900" i="1"/>
+              <a:rPr lang="es-ES_tradnl" sz="900" dirty="0"/>
+              <a:t>–</a:t>
+            </a:r>
+            <a:r>
+              <a:rPr lang="es-ES_tradnl" sz="900" dirty="0" smtClean="0"/>
+              <a:t>27</a:t>
+            </a:r>
+            <a:r>
+              <a:rPr lang="es-ES_tradnl" sz="900" i="1" dirty="0" smtClean="0"/>
               <a:t>p</a:t>
             </a:r>
             <a:r>
-              <a:rPr lang="es-ES_tradnl" sz="900" baseline="30000"/>
-              <a:t>2</a:t>
-            </a:r>
-            <a:r>
-              <a:rPr lang="es-ES_tradnl" sz="900"/>
-              <a:t> + 19</a:t>
-            </a:r>
-            <a:r>
-              <a:rPr lang="es-ES_tradnl" sz="900" i="1"/>
+              <a:rPr lang="es-ES_tradnl" sz="900" dirty="0" smtClean="0"/>
+              <a:t> </a:t>
+            </a:r>
+            <a:r>
+              <a:rPr lang="es-ES_tradnl" sz="900" dirty="0"/>
+              <a:t>+ </a:t>
+            </a:r>
+            <a:r>
+              <a:rPr lang="es-ES_tradnl" sz="900" dirty="0" smtClean="0"/>
+              <a:t>19</a:t>
+            </a:r>
+            <a:r>
+              <a:rPr lang="es-ES_tradnl" sz="900" i="1" dirty="0" smtClean="0"/>
               <a:t>p</a:t>
             </a:r>
             <a:r>
-              <a:rPr lang="es-ES_tradnl" sz="900" baseline="30000"/>
-              <a:t>2</a:t>
-            </a:r>
-            <a:r>
-              <a:rPr lang="es-ES_tradnl" sz="900"/>
-              <a:t> = –8</a:t>
-            </a:r>
-            <a:r>
-              <a:rPr lang="es-ES_tradnl" sz="900" i="1"/>
+              <a:rPr lang="es-ES_tradnl" sz="900" dirty="0" smtClean="0"/>
+              <a:t> </a:t>
+            </a:r>
+            <a:r>
+              <a:rPr lang="es-ES_tradnl" sz="900" dirty="0"/>
+              <a:t>= –</a:t>
+            </a:r>
+            <a:r>
+              <a:rPr lang="es-ES_tradnl" sz="900" dirty="0" smtClean="0"/>
+              <a:t>8</a:t>
+            </a:r>
+            <a:r>
+              <a:rPr lang="es-ES_tradnl" sz="900" i="1" dirty="0" smtClean="0"/>
               <a:t>p</a:t>
             </a:r>
             <a:r>
-              <a:rPr lang="es-ES_tradnl" sz="900" baseline="30000"/>
-              <a:t>2</a:t>
-            </a:r>
-            <a:r>
-              <a:rPr lang="es-ES_tradnl" sz="900"/>
+              <a:rPr lang="es-ES_tradnl" sz="900" dirty="0" smtClean="0"/>
               <a:t>   </a:t>
             </a:r>
-            <a:endParaRPr lang="es-CO" sz="900"/>
+            <a:endParaRPr lang="es-CO" sz="900" dirty="0"/>
           </a:p>
         </p:txBody>
       </p:sp>

--- a/fuentes/contenidos/grado07/guion09/MapaConceptual_MA_07_09_CO.pptx
+++ b/fuentes/contenidos/grado07/guion09/MapaConceptual_MA_07_09_CO.pptx
@@ -165,7 +165,7 @@
           </a:lstStyle>
           <a:p>
             <a:r>
-              <a:rPr lang="es-ES" smtClean="0"/>
+              <a:rPr lang="es-ES"/>
               <a:t>Haga clic para modificar el estilo de título del patrón</a:t>
             </a:r>
             <a:endParaRPr lang="en-US" dirty="0"/>
@@ -230,7 +230,7 @@
           </a:lstStyle>
           <a:p>
             <a:r>
-              <a:rPr lang="es-ES" smtClean="0"/>
+              <a:rPr lang="es-ES"/>
               <a:t>Haga clic para modificar el estilo de subtítulo del patrón</a:t>
             </a:r>
             <a:endParaRPr lang="en-US" dirty="0"/>
@@ -255,7 +255,7 @@
             <a:fld id="{C764DE79-268F-4C1A-8933-263129D2AF90}" type="datetimeFigureOut">
               <a:rPr lang="en-US" smtClean="0"/>
               <a:pPr/>
-              <a:t>3/22/2016</a:t>
+              <a:t>3/29/2016</a:t>
             </a:fld>
             <a:endParaRPr lang="en-US" dirty="0"/>
           </a:p>
@@ -350,7 +350,7 @@
           <a:lstStyle/>
           <a:p>
             <a:r>
-              <a:rPr lang="es-ES" smtClean="0"/>
+              <a:rPr lang="es-ES"/>
               <a:t>Haga clic para modificar el estilo de título del patrón</a:t>
             </a:r>
             <a:endParaRPr lang="en-US" dirty="0"/>
@@ -374,35 +374,35 @@
           <a:p>
             <a:pPr lvl="0"/>
             <a:r>
-              <a:rPr lang="es-ES" smtClean="0"/>
+              <a:rPr lang="es-ES"/>
               <a:t>Haga clic para modificar el estilo de texto del patrón</a:t>
             </a:r>
           </a:p>
           <a:p>
             <a:pPr lvl="1"/>
             <a:r>
-              <a:rPr lang="es-ES" smtClean="0"/>
+              <a:rPr lang="es-ES"/>
               <a:t>Segundo nivel</a:t>
             </a:r>
           </a:p>
           <a:p>
             <a:pPr lvl="2"/>
             <a:r>
-              <a:rPr lang="es-ES" smtClean="0"/>
+              <a:rPr lang="es-ES"/>
               <a:t>Tercer nivel</a:t>
             </a:r>
           </a:p>
           <a:p>
             <a:pPr lvl="3"/>
             <a:r>
-              <a:rPr lang="es-ES" smtClean="0"/>
+              <a:rPr lang="es-ES"/>
               <a:t>Cuarto nivel</a:t>
             </a:r>
           </a:p>
           <a:p>
             <a:pPr lvl="4"/>
             <a:r>
-              <a:rPr lang="es-ES" smtClean="0"/>
+              <a:rPr lang="es-ES"/>
               <a:t>Quinto nivel</a:t>
             </a:r>
             <a:endParaRPr lang="en-US" dirty="0"/>
@@ -427,7 +427,7 @@
             <a:fld id="{C764DE79-268F-4C1A-8933-263129D2AF90}" type="datetimeFigureOut">
               <a:rPr lang="en-US" smtClean="0"/>
               <a:pPr/>
-              <a:t>3/22/2016</a:t>
+              <a:t>3/29/2016</a:t>
             </a:fld>
             <a:endParaRPr lang="en-US" dirty="0"/>
           </a:p>
@@ -527,7 +527,7 @@
           <a:lstStyle/>
           <a:p>
             <a:r>
-              <a:rPr lang="es-ES" smtClean="0"/>
+              <a:rPr lang="es-ES"/>
               <a:t>Haga clic para modificar el estilo de título del patrón</a:t>
             </a:r>
             <a:endParaRPr lang="en-US" dirty="0"/>
@@ -556,35 +556,35 @@
           <a:p>
             <a:pPr lvl="0"/>
             <a:r>
-              <a:rPr lang="es-ES" smtClean="0"/>
+              <a:rPr lang="es-ES"/>
               <a:t>Haga clic para modificar el estilo de texto del patrón</a:t>
             </a:r>
           </a:p>
           <a:p>
             <a:pPr lvl="1"/>
             <a:r>
-              <a:rPr lang="es-ES" smtClean="0"/>
+              <a:rPr lang="es-ES"/>
               <a:t>Segundo nivel</a:t>
             </a:r>
           </a:p>
           <a:p>
             <a:pPr lvl="2"/>
             <a:r>
-              <a:rPr lang="es-ES" smtClean="0"/>
+              <a:rPr lang="es-ES"/>
               <a:t>Tercer nivel</a:t>
             </a:r>
           </a:p>
           <a:p>
             <a:pPr lvl="3"/>
             <a:r>
-              <a:rPr lang="es-ES" smtClean="0"/>
+              <a:rPr lang="es-ES"/>
               <a:t>Cuarto nivel</a:t>
             </a:r>
           </a:p>
           <a:p>
             <a:pPr lvl="4"/>
             <a:r>
-              <a:rPr lang="es-ES" smtClean="0"/>
+              <a:rPr lang="es-ES"/>
               <a:t>Quinto nivel</a:t>
             </a:r>
             <a:endParaRPr lang="en-US" dirty="0"/>
@@ -609,7 +609,7 @@
             <a:fld id="{C764DE79-268F-4C1A-8933-263129D2AF90}" type="datetimeFigureOut">
               <a:rPr lang="en-US" smtClean="0"/>
               <a:pPr/>
-              <a:t>3/22/2016</a:t>
+              <a:t>3/29/2016</a:t>
             </a:fld>
             <a:endParaRPr lang="en-US" dirty="0"/>
           </a:p>
@@ -698,13 +698,6 @@
   <p:clrMapOvr>
     <a:masterClrMapping/>
   </p:clrMapOvr>
-  <p:timing>
-    <p:tnLst>
-      <p:par>
-        <p:cTn id="1" dur="indefinite" restart="never" nodeType="tmRoot"/>
-      </p:par>
-    </p:tnLst>
-  </p:timing>
 </p:sldLayout>
 </file>
 
@@ -735,13 +728,6 @@
   <p:clrMapOvr>
     <a:masterClrMapping/>
   </p:clrMapOvr>
-  <p:timing>
-    <p:tnLst>
-      <p:par>
-        <p:cTn id="1" dur="indefinite" restart="never" nodeType="tmRoot"/>
-      </p:par>
-    </p:tnLst>
-  </p:timing>
 </p:sldLayout>
 </file>
 
@@ -772,13 +758,6 @@
   <p:clrMapOvr>
     <a:masterClrMapping/>
   </p:clrMapOvr>
-  <p:timing>
-    <p:tnLst>
-      <p:par>
-        <p:cTn id="1" dur="indefinite" restart="never" nodeType="tmRoot"/>
-      </p:par>
-    </p:tnLst>
-  </p:timing>
 </p:sldLayout>
 </file>
 
@@ -809,13 +788,6 @@
   <p:clrMapOvr>
     <a:masterClrMapping/>
   </p:clrMapOvr>
-  <p:timing>
-    <p:tnLst>
-      <p:par>
-        <p:cTn id="1" dur="indefinite" restart="never" nodeType="tmRoot"/>
-      </p:par>
-    </p:tnLst>
-  </p:timing>
 </p:sldLayout>
 </file>
 
@@ -846,13 +818,6 @@
   <p:clrMapOvr>
     <a:masterClrMapping/>
   </p:clrMapOvr>
-  <p:timing>
-    <p:tnLst>
-      <p:par>
-        <p:cTn id="1" dur="indefinite" restart="never" nodeType="tmRoot"/>
-      </p:par>
-    </p:tnLst>
-  </p:timing>
 </p:sldLayout>
 </file>
 
@@ -883,13 +848,6 @@
   <p:clrMapOvr>
     <a:masterClrMapping/>
   </p:clrMapOvr>
-  <p:timing>
-    <p:tnLst>
-      <p:par>
-        <p:cTn id="1" dur="indefinite" restart="never" nodeType="tmRoot"/>
-      </p:par>
-    </p:tnLst>
-  </p:timing>
 </p:sldLayout>
 </file>
 
@@ -920,13 +878,6 @@
   <p:clrMapOvr>
     <a:masterClrMapping/>
   </p:clrMapOvr>
-  <p:timing>
-    <p:tnLst>
-      <p:par>
-        <p:cTn id="1" dur="indefinite" restart="never" nodeType="tmRoot"/>
-      </p:par>
-    </p:tnLst>
-  </p:timing>
 </p:sldLayout>
 </file>
 
@@ -957,13 +908,6 @@
   <p:clrMapOvr>
     <a:masterClrMapping/>
   </p:clrMapOvr>
-  <p:timing>
-    <p:tnLst>
-      <p:par>
-        <p:cTn id="1" dur="indefinite" restart="never" nodeType="tmRoot"/>
-      </p:par>
-    </p:tnLst>
-  </p:timing>
 </p:sldLayout>
 </file>
 
@@ -1000,7 +944,7 @@
           <a:lstStyle/>
           <a:p>
             <a:r>
-              <a:rPr lang="es-ES" smtClean="0"/>
+              <a:rPr lang="es-ES"/>
               <a:t>Haga clic para modificar el estilo de título del patrón</a:t>
             </a:r>
             <a:endParaRPr lang="en-US" dirty="0"/>
@@ -1024,35 +968,35 @@
           <a:p>
             <a:pPr lvl="0"/>
             <a:r>
-              <a:rPr lang="es-ES" smtClean="0"/>
+              <a:rPr lang="es-ES"/>
               <a:t>Haga clic para modificar el estilo de texto del patrón</a:t>
             </a:r>
           </a:p>
           <a:p>
             <a:pPr lvl="1"/>
             <a:r>
-              <a:rPr lang="es-ES" smtClean="0"/>
+              <a:rPr lang="es-ES"/>
               <a:t>Segundo nivel</a:t>
             </a:r>
           </a:p>
           <a:p>
             <a:pPr lvl="2"/>
             <a:r>
-              <a:rPr lang="es-ES" smtClean="0"/>
+              <a:rPr lang="es-ES"/>
               <a:t>Tercer nivel</a:t>
             </a:r>
           </a:p>
           <a:p>
             <a:pPr lvl="3"/>
             <a:r>
-              <a:rPr lang="es-ES" smtClean="0"/>
+              <a:rPr lang="es-ES"/>
               <a:t>Cuarto nivel</a:t>
             </a:r>
           </a:p>
           <a:p>
             <a:pPr lvl="4"/>
             <a:r>
-              <a:rPr lang="es-ES" smtClean="0"/>
+              <a:rPr lang="es-ES"/>
               <a:t>Quinto nivel</a:t>
             </a:r>
             <a:endParaRPr lang="en-US" dirty="0"/>
@@ -1077,7 +1021,7 @@
             <a:fld id="{C764DE79-268F-4C1A-8933-263129D2AF90}" type="datetimeFigureOut">
               <a:rPr lang="en-US" smtClean="0"/>
               <a:pPr/>
-              <a:t>3/22/2016</a:t>
+              <a:t>3/29/2016</a:t>
             </a:fld>
             <a:endParaRPr lang="en-US" dirty="0"/>
           </a:p>
@@ -1166,13 +1110,6 @@
   <p:clrMapOvr>
     <a:masterClrMapping/>
   </p:clrMapOvr>
-  <p:timing>
-    <p:tnLst>
-      <p:par>
-        <p:cTn id="1" dur="indefinite" restart="never" nodeType="tmRoot"/>
-      </p:par>
-    </p:tnLst>
-  </p:timing>
 </p:sldLayout>
 </file>
 
@@ -1203,13 +1140,6 @@
   <p:clrMapOvr>
     <a:masterClrMapping/>
   </p:clrMapOvr>
-  <p:timing>
-    <p:tnLst>
-      <p:par>
-        <p:cTn id="1" dur="indefinite" restart="never" nodeType="tmRoot"/>
-      </p:par>
-    </p:tnLst>
-  </p:timing>
 </p:sldLayout>
 </file>
 
@@ -1255,7 +1185,7 @@
           </a:lstStyle>
           <a:p>
             <a:r>
-              <a:rPr lang="es-ES" smtClean="0"/>
+              <a:rPr lang="es-ES"/>
               <a:t>Haga clic para modificar el estilo de título del patrón</a:t>
             </a:r>
             <a:endParaRPr lang="en-US" dirty="0"/>
@@ -1375,7 +1305,7 @@
           <a:p>
             <a:pPr lvl="0"/>
             <a:r>
-              <a:rPr lang="es-ES" smtClean="0"/>
+              <a:rPr lang="es-ES"/>
               <a:t>Haga clic para modificar el estilo de texto del patrón</a:t>
             </a:r>
           </a:p>
@@ -1399,7 +1329,7 @@
             <a:fld id="{C764DE79-268F-4C1A-8933-263129D2AF90}" type="datetimeFigureOut">
               <a:rPr lang="en-US" smtClean="0"/>
               <a:pPr/>
-              <a:t>3/22/2016</a:t>
+              <a:t>3/29/2016</a:t>
             </a:fld>
             <a:endParaRPr lang="en-US" dirty="0"/>
           </a:p>
@@ -1494,7 +1424,7 @@
           <a:lstStyle/>
           <a:p>
             <a:r>
-              <a:rPr lang="es-ES" smtClean="0"/>
+              <a:rPr lang="es-ES"/>
               <a:t>Haga clic para modificar el estilo de título del patrón</a:t>
             </a:r>
             <a:endParaRPr lang="en-US" dirty="0"/>
@@ -1523,35 +1453,35 @@
           <a:p>
             <a:pPr lvl="0"/>
             <a:r>
-              <a:rPr lang="es-ES" smtClean="0"/>
+              <a:rPr lang="es-ES"/>
               <a:t>Haga clic para modificar el estilo de texto del patrón</a:t>
             </a:r>
           </a:p>
           <a:p>
             <a:pPr lvl="1"/>
             <a:r>
-              <a:rPr lang="es-ES" smtClean="0"/>
+              <a:rPr lang="es-ES"/>
               <a:t>Segundo nivel</a:t>
             </a:r>
           </a:p>
           <a:p>
             <a:pPr lvl="2"/>
             <a:r>
-              <a:rPr lang="es-ES" smtClean="0"/>
+              <a:rPr lang="es-ES"/>
               <a:t>Tercer nivel</a:t>
             </a:r>
           </a:p>
           <a:p>
             <a:pPr lvl="3"/>
             <a:r>
-              <a:rPr lang="es-ES" smtClean="0"/>
+              <a:rPr lang="es-ES"/>
               <a:t>Cuarto nivel</a:t>
             </a:r>
           </a:p>
           <a:p>
             <a:pPr lvl="4"/>
             <a:r>
-              <a:rPr lang="es-ES" smtClean="0"/>
+              <a:rPr lang="es-ES"/>
               <a:t>Quinto nivel</a:t>
             </a:r>
             <a:endParaRPr lang="en-US" dirty="0"/>
@@ -1580,35 +1510,35 @@
           <a:p>
             <a:pPr lvl="0"/>
             <a:r>
-              <a:rPr lang="es-ES" smtClean="0"/>
+              <a:rPr lang="es-ES"/>
               <a:t>Haga clic para modificar el estilo de texto del patrón</a:t>
             </a:r>
           </a:p>
           <a:p>
             <a:pPr lvl="1"/>
             <a:r>
-              <a:rPr lang="es-ES" smtClean="0"/>
+              <a:rPr lang="es-ES"/>
               <a:t>Segundo nivel</a:t>
             </a:r>
           </a:p>
           <a:p>
             <a:pPr lvl="2"/>
             <a:r>
-              <a:rPr lang="es-ES" smtClean="0"/>
+              <a:rPr lang="es-ES"/>
               <a:t>Tercer nivel</a:t>
             </a:r>
           </a:p>
           <a:p>
             <a:pPr lvl="3"/>
             <a:r>
-              <a:rPr lang="es-ES" smtClean="0"/>
+              <a:rPr lang="es-ES"/>
               <a:t>Cuarto nivel</a:t>
             </a:r>
           </a:p>
           <a:p>
             <a:pPr lvl="4"/>
             <a:r>
-              <a:rPr lang="es-ES" smtClean="0"/>
+              <a:rPr lang="es-ES"/>
               <a:t>Quinto nivel</a:t>
             </a:r>
             <a:endParaRPr lang="en-US" dirty="0"/>
@@ -1633,7 +1563,7 @@
             <a:fld id="{C764DE79-268F-4C1A-8933-263129D2AF90}" type="datetimeFigureOut">
               <a:rPr lang="en-US" smtClean="0"/>
               <a:pPr/>
-              <a:t>3/22/2016</a:t>
+              <a:t>3/29/2016</a:t>
             </a:fld>
             <a:endParaRPr lang="en-US" dirty="0"/>
           </a:p>
@@ -1733,7 +1663,7 @@
           <a:lstStyle/>
           <a:p>
             <a:r>
-              <a:rPr lang="es-ES" smtClean="0"/>
+              <a:rPr lang="es-ES"/>
               <a:t>Haga clic para modificar el estilo de título del patrón</a:t>
             </a:r>
             <a:endParaRPr lang="en-US" dirty="0"/>
@@ -1799,7 +1729,7 @@
           <a:p>
             <a:pPr lvl="0"/>
             <a:r>
-              <a:rPr lang="es-ES" smtClean="0"/>
+              <a:rPr lang="es-ES"/>
               <a:t>Haga clic para modificar el estilo de texto del patrón</a:t>
             </a:r>
           </a:p>
@@ -1827,35 +1757,35 @@
           <a:p>
             <a:pPr lvl="0"/>
             <a:r>
-              <a:rPr lang="es-ES" smtClean="0"/>
+              <a:rPr lang="es-ES"/>
               <a:t>Haga clic para modificar el estilo de texto del patrón</a:t>
             </a:r>
           </a:p>
           <a:p>
             <a:pPr lvl="1"/>
             <a:r>
-              <a:rPr lang="es-ES" smtClean="0"/>
+              <a:rPr lang="es-ES"/>
               <a:t>Segundo nivel</a:t>
             </a:r>
           </a:p>
           <a:p>
             <a:pPr lvl="2"/>
             <a:r>
-              <a:rPr lang="es-ES" smtClean="0"/>
+              <a:rPr lang="es-ES"/>
               <a:t>Tercer nivel</a:t>
             </a:r>
           </a:p>
           <a:p>
             <a:pPr lvl="3"/>
             <a:r>
-              <a:rPr lang="es-ES" smtClean="0"/>
+              <a:rPr lang="es-ES"/>
               <a:t>Cuarto nivel</a:t>
             </a:r>
           </a:p>
           <a:p>
             <a:pPr lvl="4"/>
             <a:r>
-              <a:rPr lang="es-ES" smtClean="0"/>
+              <a:rPr lang="es-ES"/>
               <a:t>Quinto nivel</a:t>
             </a:r>
             <a:endParaRPr lang="en-US" dirty="0"/>
@@ -1921,7 +1851,7 @@
           <a:p>
             <a:pPr lvl="0"/>
             <a:r>
-              <a:rPr lang="es-ES" smtClean="0"/>
+              <a:rPr lang="es-ES"/>
               <a:t>Haga clic para modificar el estilo de texto del patrón</a:t>
             </a:r>
           </a:p>
@@ -1949,35 +1879,35 @@
           <a:p>
             <a:pPr lvl="0"/>
             <a:r>
-              <a:rPr lang="es-ES" smtClean="0"/>
+              <a:rPr lang="es-ES"/>
               <a:t>Haga clic para modificar el estilo de texto del patrón</a:t>
             </a:r>
           </a:p>
           <a:p>
             <a:pPr lvl="1"/>
             <a:r>
-              <a:rPr lang="es-ES" smtClean="0"/>
+              <a:rPr lang="es-ES"/>
               <a:t>Segundo nivel</a:t>
             </a:r>
           </a:p>
           <a:p>
             <a:pPr lvl="2"/>
             <a:r>
-              <a:rPr lang="es-ES" smtClean="0"/>
+              <a:rPr lang="es-ES"/>
               <a:t>Tercer nivel</a:t>
             </a:r>
           </a:p>
           <a:p>
             <a:pPr lvl="3"/>
             <a:r>
-              <a:rPr lang="es-ES" smtClean="0"/>
+              <a:rPr lang="es-ES"/>
               <a:t>Cuarto nivel</a:t>
             </a:r>
           </a:p>
           <a:p>
             <a:pPr lvl="4"/>
             <a:r>
-              <a:rPr lang="es-ES" smtClean="0"/>
+              <a:rPr lang="es-ES"/>
               <a:t>Quinto nivel</a:t>
             </a:r>
             <a:endParaRPr lang="en-US" dirty="0"/>
@@ -2002,7 +1932,7 @@
             <a:fld id="{C764DE79-268F-4C1A-8933-263129D2AF90}" type="datetimeFigureOut">
               <a:rPr lang="en-US" smtClean="0"/>
               <a:pPr/>
-              <a:t>3/22/2016</a:t>
+              <a:t>3/29/2016</a:t>
             </a:fld>
             <a:endParaRPr lang="en-US" dirty="0"/>
           </a:p>
@@ -2097,7 +2027,7 @@
           <a:lstStyle/>
           <a:p>
             <a:r>
-              <a:rPr lang="es-ES" smtClean="0"/>
+              <a:rPr lang="es-ES"/>
               <a:t>Haga clic para modificar el estilo de título del patrón</a:t>
             </a:r>
             <a:endParaRPr lang="en-US" dirty="0"/>
@@ -2122,7 +2052,7 @@
             <a:fld id="{C764DE79-268F-4C1A-8933-263129D2AF90}" type="datetimeFigureOut">
               <a:rPr lang="en-US" smtClean="0"/>
               <a:pPr/>
-              <a:t>3/22/2016</a:t>
+              <a:t>3/29/2016</a:t>
             </a:fld>
             <a:endParaRPr lang="en-US" dirty="0"/>
           </a:p>
@@ -2219,7 +2149,7 @@
             <a:fld id="{5001C876-01F7-4317-94B9-1AE222133113}" type="datetimeFigureOut">
               <a:rPr lang="es-ES" smtClean="0"/>
               <a:pPr/>
-              <a:t>22/03/2016</a:t>
+              <a:t>29/03/2016</a:t>
             </a:fld>
             <a:endParaRPr lang="es-ES"/>
           </a:p>
@@ -2323,7 +2253,7 @@
           </a:lstStyle>
           <a:p>
             <a:r>
-              <a:rPr lang="es-ES" smtClean="0"/>
+              <a:rPr lang="es-ES"/>
               <a:t>Haga clic para modificar el estilo de título del patrón</a:t>
             </a:r>
             <a:endParaRPr lang="en-US" dirty="0"/>
@@ -2380,35 +2310,35 @@
           <a:p>
             <a:pPr lvl="0"/>
             <a:r>
-              <a:rPr lang="es-ES" smtClean="0"/>
+              <a:rPr lang="es-ES"/>
               <a:t>Haga clic para modificar el estilo de texto del patrón</a:t>
             </a:r>
           </a:p>
           <a:p>
             <a:pPr lvl="1"/>
             <a:r>
-              <a:rPr lang="es-ES" smtClean="0"/>
+              <a:rPr lang="es-ES"/>
               <a:t>Segundo nivel</a:t>
             </a:r>
           </a:p>
           <a:p>
             <a:pPr lvl="2"/>
             <a:r>
-              <a:rPr lang="es-ES" smtClean="0"/>
+              <a:rPr lang="es-ES"/>
               <a:t>Tercer nivel</a:t>
             </a:r>
           </a:p>
           <a:p>
             <a:pPr lvl="3"/>
             <a:r>
-              <a:rPr lang="es-ES" smtClean="0"/>
+              <a:rPr lang="es-ES"/>
               <a:t>Cuarto nivel</a:t>
             </a:r>
           </a:p>
           <a:p>
             <a:pPr lvl="4"/>
             <a:r>
-              <a:rPr lang="es-ES" smtClean="0"/>
+              <a:rPr lang="es-ES"/>
               <a:t>Quinto nivel</a:t>
             </a:r>
             <a:endParaRPr lang="en-US" dirty="0"/>
@@ -2474,7 +2404,7 @@
           <a:p>
             <a:pPr lvl="0"/>
             <a:r>
-              <a:rPr lang="es-ES" smtClean="0"/>
+              <a:rPr lang="es-ES"/>
               <a:t>Haga clic para modificar el estilo de texto del patrón</a:t>
             </a:r>
           </a:p>
@@ -2498,7 +2428,7 @@
             <a:fld id="{C764DE79-268F-4C1A-8933-263129D2AF90}" type="datetimeFigureOut">
               <a:rPr lang="en-US" smtClean="0"/>
               <a:pPr/>
-              <a:t>3/22/2016</a:t>
+              <a:t>3/29/2016</a:t>
             </a:fld>
             <a:endParaRPr lang="en-US" dirty="0"/>
           </a:p>
@@ -2602,7 +2532,7 @@
           </a:lstStyle>
           <a:p>
             <a:r>
-              <a:rPr lang="es-ES" smtClean="0"/>
+              <a:rPr lang="es-ES"/>
               <a:t>Haga clic para modificar el estilo de título del patrón</a:t>
             </a:r>
             <a:endParaRPr lang="en-US" dirty="0"/>
@@ -2667,7 +2597,7 @@
           </a:lstStyle>
           <a:p>
             <a:r>
-              <a:rPr lang="es-ES" smtClean="0"/>
+              <a:rPr lang="es-ES"/>
               <a:t>Haga clic en el icono para agregar una imagen</a:t>
             </a:r>
             <a:endParaRPr lang="en-US" dirty="0"/>
@@ -2733,7 +2663,7 @@
           <a:p>
             <a:pPr lvl="0"/>
             <a:r>
-              <a:rPr lang="es-ES" smtClean="0"/>
+              <a:rPr lang="es-ES"/>
               <a:t>Haga clic para modificar el estilo de texto del patrón</a:t>
             </a:r>
           </a:p>
@@ -2757,7 +2687,7 @@
             <a:fld id="{C764DE79-268F-4C1A-8933-263129D2AF90}" type="datetimeFigureOut">
               <a:rPr lang="en-US" smtClean="0"/>
               <a:pPr/>
-              <a:t>3/22/2016</a:t>
+              <a:t>3/29/2016</a:t>
             </a:fld>
             <a:endParaRPr lang="en-US" dirty="0"/>
           </a:p>
@@ -2867,7 +2797,7 @@
           <a:lstStyle/>
           <a:p>
             <a:r>
-              <a:rPr lang="es-ES" smtClean="0"/>
+              <a:rPr lang="es-ES"/>
               <a:t>Haga clic para modificar el estilo de título del patrón</a:t>
             </a:r>
             <a:endParaRPr lang="en-US" dirty="0"/>
@@ -2901,35 +2831,35 @@
           <a:p>
             <a:pPr lvl="0"/>
             <a:r>
-              <a:rPr lang="es-ES" smtClean="0"/>
+              <a:rPr lang="es-ES"/>
               <a:t>Haga clic para modificar el estilo de texto del patrón</a:t>
             </a:r>
           </a:p>
           <a:p>
             <a:pPr lvl="1"/>
             <a:r>
-              <a:rPr lang="es-ES" smtClean="0"/>
+              <a:rPr lang="es-ES"/>
               <a:t>Segundo nivel</a:t>
             </a:r>
           </a:p>
           <a:p>
             <a:pPr lvl="2"/>
             <a:r>
-              <a:rPr lang="es-ES" smtClean="0"/>
+              <a:rPr lang="es-ES"/>
               <a:t>Tercer nivel</a:t>
             </a:r>
           </a:p>
           <a:p>
             <a:pPr lvl="3"/>
             <a:r>
-              <a:rPr lang="es-ES" smtClean="0"/>
+              <a:rPr lang="es-ES"/>
               <a:t>Cuarto nivel</a:t>
             </a:r>
           </a:p>
           <a:p>
             <a:pPr lvl="4"/>
             <a:r>
-              <a:rPr lang="es-ES" smtClean="0"/>
+              <a:rPr lang="es-ES"/>
               <a:t>Quinto nivel</a:t>
             </a:r>
             <a:endParaRPr lang="en-US" dirty="0"/>
@@ -2972,7 +2902,7 @@
             <a:fld id="{C764DE79-268F-4C1A-8933-263129D2AF90}" type="datetimeFigureOut">
               <a:rPr lang="en-US" smtClean="0"/>
               <a:pPr/>
-              <a:t>3/22/2016</a:t>
+              <a:t>3/29/2016</a:t>
             </a:fld>
             <a:endParaRPr lang="en-US" dirty="0"/>
           </a:p>
@@ -3080,10 +3010,9 @@
           <a:lstStyle/>
           <a:p>
             <a:r>
-              <a:rPr lang="es-ES" sz="900" dirty="0" smtClean="0"/>
+              <a:rPr lang="es-ES" sz="900" dirty="0"/>
               <a:t>© Editorial Planeta Colombiana S.A., 2016.</a:t>
             </a:r>
-            <a:endParaRPr lang="es-ES" sz="900" dirty="0"/>
           </a:p>
         </p:txBody>
       </p:sp>
@@ -3491,10 +3420,9 @@
           <a:p>
             <a:pPr algn="ctr"/>
             <a:r>
-              <a:rPr lang="es-ES" sz="1600" dirty="0" smtClean="0"/>
+              <a:rPr lang="es-ES" sz="1600" dirty="0"/>
               <a:t>Expresiones algebraicas</a:t>
             </a:r>
-            <a:endParaRPr lang="es-ES" sz="1600" dirty="0"/>
           </a:p>
         </p:txBody>
       </p:sp>
@@ -3548,10 +3476,9 @@
           <a:p>
             <a:pPr algn="ctr"/>
             <a:r>
-              <a:rPr lang="es-ES" sz="1200" b="1" dirty="0" smtClean="0"/>
+              <a:rPr lang="es-ES" sz="1200" b="1" dirty="0"/>
               <a:t>Expresiones matemáticas </a:t>
             </a:r>
-            <a:endParaRPr lang="es-ES" sz="1200" b="1" dirty="0"/>
           </a:p>
         </p:txBody>
       </p:sp>
@@ -3638,18 +3565,13 @@
           <a:p>
             <a:pPr algn="ctr"/>
             <a:r>
-              <a:rPr lang="es-ES" sz="1050" dirty="0" smtClean="0">
+              <a:rPr lang="es-ES" sz="1050" dirty="0">
                 <a:solidFill>
                   <a:schemeClr val="bg1"/>
                 </a:solidFill>
               </a:rPr>
-              <a:t>Números</a:t>
-            </a:r>
-            <a:endParaRPr lang="es-ES" sz="1050" dirty="0">
-              <a:solidFill>
-                <a:schemeClr val="bg1"/>
-              </a:solidFill>
-            </a:endParaRPr>
+              <a:t>números</a:t>
+            </a:r>
           </a:p>
         </p:txBody>
       </p:sp>
@@ -3718,13 +3640,8 @@
             <a:pPr algn="ctr"/>
             <a:r>
               <a:rPr lang="es-ES" sz="900" dirty="0"/>
-              <a:t>q</a:t>
-            </a:r>
-            <a:r>
-              <a:rPr lang="es-ES" sz="900" dirty="0" smtClean="0"/>
-              <a:t>ue combinan</a:t>
-            </a:r>
-            <a:endParaRPr lang="es-ES" sz="900" dirty="0"/>
+              <a:t>que combinan</a:t>
+            </a:r>
           </a:p>
         </p:txBody>
       </p:sp>
@@ -3739,8 +3656,8 @@
         </p:nvCxnSpPr>
         <p:spPr>
           <a:xfrm rot="5400000" flipH="1" flipV="1">
-            <a:off x="1173330" y="3353455"/>
-            <a:ext cx="109904" cy="549793"/>
+            <a:off x="1183714" y="3363839"/>
+            <a:ext cx="167286" cy="471643"/>
           </a:xfrm>
           <a:prstGeom prst="bentConnector3">
             <a:avLst>
@@ -3792,10 +3709,9 @@
           <a:p>
             <a:pPr algn="ctr"/>
             <a:r>
-              <a:rPr lang="es-ES" sz="900" dirty="0" smtClean="0"/>
+              <a:rPr lang="es-ES" sz="900" dirty="0"/>
               <a:t>son</a:t>
             </a:r>
-            <a:endParaRPr lang="es-ES" sz="900" dirty="0"/>
           </a:p>
         </p:txBody>
       </p:sp>
@@ -3889,10 +3805,9 @@
           <a:p>
             <a:pPr algn="ctr"/>
             <a:r>
-              <a:rPr lang="es-ES" sz="1200" b="1" dirty="0" smtClean="0"/>
+              <a:rPr lang="es-ES" sz="1200" b="1" dirty="0"/>
               <a:t>Modelar</a:t>
             </a:r>
-            <a:endParaRPr lang="es-ES" sz="1200" b="1" dirty="0"/>
           </a:p>
         </p:txBody>
       </p:sp>
@@ -3961,13 +3876,8 @@
             <a:pPr algn="ctr"/>
             <a:r>
               <a:rPr lang="es-ES" sz="900" dirty="0"/>
-              <a:t>e</a:t>
-            </a:r>
-            <a:r>
-              <a:rPr lang="es-ES" sz="900" dirty="0" smtClean="0"/>
-              <a:t>ventos como</a:t>
-            </a:r>
-            <a:endParaRPr lang="es-ES" sz="900" dirty="0"/>
+              <a:t>eventos como</a:t>
+            </a:r>
           </a:p>
         </p:txBody>
       </p:sp>
@@ -4016,18 +3926,13 @@
           <a:p>
             <a:pPr algn="ctr"/>
             <a:r>
-              <a:rPr lang="es-ES" sz="1050" dirty="0" smtClean="0">
+              <a:rPr lang="es-ES" sz="1050" dirty="0">
                 <a:solidFill>
                   <a:schemeClr val="bg1"/>
                 </a:solidFill>
               </a:rPr>
-              <a:t>Patrones numéricos</a:t>
-            </a:r>
-            <a:endParaRPr lang="es-ES" sz="1050" dirty="0">
-              <a:solidFill>
-                <a:schemeClr val="bg1"/>
-              </a:solidFill>
-            </a:endParaRPr>
+              <a:t>patrones numéricos</a:t>
+            </a:r>
           </a:p>
         </p:txBody>
       </p:sp>
@@ -4136,13 +4041,8 @@
             <a:pPr algn="ctr"/>
             <a:r>
               <a:rPr lang="es-ES" sz="900" dirty="0"/>
-              <a:t>s</a:t>
-            </a:r>
-            <a:r>
-              <a:rPr lang="es-ES" sz="900" dirty="0" smtClean="0"/>
-              <a:t>irven para</a:t>
-            </a:r>
-            <a:endParaRPr lang="es-ES" sz="900" dirty="0"/>
+              <a:t>sirven para</a:t>
+            </a:r>
           </a:p>
         </p:txBody>
       </p:sp>
@@ -4231,18 +4131,13 @@
           <a:p>
             <a:pPr algn="ctr"/>
             <a:r>
-              <a:rPr lang="es-ES" sz="1050" dirty="0" smtClean="0">
+              <a:rPr lang="es-ES" sz="1050" dirty="0">
                 <a:solidFill>
                   <a:schemeClr val="bg1"/>
                 </a:solidFill>
               </a:rPr>
-              <a:t>Patrones geométricos</a:t>
-            </a:r>
-            <a:endParaRPr lang="es-ES" sz="1050" dirty="0">
-              <a:solidFill>
-                <a:schemeClr val="bg1"/>
-              </a:solidFill>
-            </a:endParaRPr>
+              <a:t>patrones geométricos</a:t>
+            </a:r>
           </a:p>
         </p:txBody>
       </p:sp>
@@ -4310,10 +4205,9 @@
           <a:p>
             <a:pPr algn="ctr"/>
             <a:r>
-              <a:rPr lang="es-ES" sz="900" dirty="0" smtClean="0"/>
+              <a:rPr lang="es-ES" sz="900" dirty="0"/>
               <a:t>usando símbolos</a:t>
             </a:r>
-            <a:endParaRPr lang="es-ES" sz="900" dirty="0"/>
           </a:p>
         </p:txBody>
       </p:sp>
@@ -4367,10 +4261,9 @@
           <a:p>
             <a:pPr algn="ctr"/>
             <a:r>
-              <a:rPr lang="es-ES" sz="1200" b="1" dirty="0" smtClean="0"/>
+              <a:rPr lang="es-ES" sz="1200" b="1" dirty="0"/>
               <a:t>Número de términos</a:t>
             </a:r>
-            <a:endParaRPr lang="es-ES" sz="1200" b="1" dirty="0"/>
           </a:p>
         </p:txBody>
       </p:sp>
@@ -4436,10 +4329,9 @@
           <a:p>
             <a:pPr algn="ctr"/>
             <a:r>
-              <a:rPr lang="es-ES" sz="900" dirty="0" smtClean="0"/>
+              <a:rPr lang="es-ES" sz="900" dirty="0"/>
               <a:t>en</a:t>
             </a:r>
-            <a:endParaRPr lang="es-ES" sz="900" dirty="0"/>
           </a:p>
         </p:txBody>
       </p:sp>
@@ -4488,18 +4380,13 @@
           <a:p>
             <a:pPr algn="ctr"/>
             <a:r>
-              <a:rPr lang="es-ES" sz="1050" dirty="0" smtClean="0">
+              <a:rPr lang="es-ES" sz="1050" dirty="0">
                 <a:solidFill>
                   <a:schemeClr val="bg1"/>
                 </a:solidFill>
               </a:rPr>
-              <a:t>Polinomios</a:t>
-            </a:r>
-            <a:endParaRPr lang="es-ES" sz="1050" dirty="0">
-              <a:solidFill>
-                <a:schemeClr val="bg1"/>
-              </a:solidFill>
-            </a:endParaRPr>
+              <a:t>polinomios</a:t>
+            </a:r>
           </a:p>
         </p:txBody>
       </p:sp>
@@ -4591,8 +4478,8 @@
         </p:nvSpPr>
         <p:spPr>
           <a:xfrm>
-            <a:off x="6755321" y="4292363"/>
-            <a:ext cx="1117174" cy="230832"/>
+            <a:off x="6932386" y="4145043"/>
+            <a:ext cx="763045" cy="230832"/>
           </a:xfrm>
           <a:prstGeom prst="rect">
             <a:avLst/>
@@ -4607,10 +4494,9 @@
           <a:p>
             <a:pPr algn="ctr"/>
             <a:r>
-              <a:rPr lang="es-ES" sz="900" dirty="0" smtClean="0"/>
+              <a:rPr lang="es-ES" sz="900" dirty="0"/>
               <a:t>pueden ser</a:t>
             </a:r>
-            <a:endParaRPr lang="es-ES" sz="900" dirty="0"/>
           </a:p>
         </p:txBody>
       </p:sp>
@@ -4737,18 +4623,13 @@
           <a:p>
             <a:pPr algn="ctr"/>
             <a:r>
-              <a:rPr lang="es-ES" sz="900" dirty="0" smtClean="0">
+              <a:rPr lang="es-ES" sz="900" dirty="0">
                 <a:solidFill>
                   <a:schemeClr val="tx1"/>
                 </a:solidFill>
               </a:rPr>
               <a:t>tener la misma parte literal</a:t>
             </a:r>
-            <a:endParaRPr lang="es-ES" sz="900" dirty="0">
-              <a:solidFill>
-                <a:schemeClr val="tx1"/>
-              </a:solidFill>
-            </a:endParaRPr>
           </a:p>
         </p:txBody>
       </p:sp>
@@ -4776,10 +4657,9 @@
           <a:p>
             <a:pPr algn="ctr"/>
             <a:r>
-              <a:rPr lang="es-ES" sz="900" dirty="0" smtClean="0"/>
+              <a:rPr lang="es-ES" sz="900" dirty="0"/>
               <a:t>se caracterizan por</a:t>
             </a:r>
-            <a:endParaRPr lang="es-ES" sz="900" dirty="0"/>
           </a:p>
         </p:txBody>
       </p:sp>
@@ -4834,8 +4714,8 @@
         </p:nvCxnSpPr>
         <p:spPr>
           <a:xfrm rot="5400000" flipH="1" flipV="1">
-            <a:off x="6930111" y="4717497"/>
-            <a:ext cx="209008" cy="558588"/>
+            <a:off x="6925142" y="4712528"/>
+            <a:ext cx="218946" cy="558588"/>
           </a:xfrm>
           <a:prstGeom prst="bentConnector3">
             <a:avLst>
@@ -4874,8 +4754,8 @@
         </p:nvCxnSpPr>
         <p:spPr>
           <a:xfrm rot="16200000" flipV="1">
-            <a:off x="7549514" y="4656682"/>
-            <a:ext cx="209008" cy="680217"/>
+            <a:off x="7544545" y="4651713"/>
+            <a:ext cx="218946" cy="680217"/>
           </a:xfrm>
           <a:prstGeom prst="bentConnector3">
             <a:avLst>
@@ -4928,13 +4808,8 @@
             <a:pPr algn="ctr"/>
             <a:r>
               <a:rPr lang="es-ES" sz="900" dirty="0"/>
-              <a:t>s</a:t>
-            </a:r>
-            <a:r>
-              <a:rPr lang="es-ES" sz="900" dirty="0" smtClean="0"/>
-              <a:t>e clasifican según</a:t>
-            </a:r>
-            <a:endParaRPr lang="es-ES" sz="900" dirty="0"/>
+              <a:t>se clasifican según</a:t>
+            </a:r>
           </a:p>
         </p:txBody>
       </p:sp>
@@ -4988,10 +4863,9 @@
           <a:p>
             <a:pPr algn="ctr"/>
             <a:r>
-              <a:rPr lang="es-ES" sz="1200" b="1" dirty="0" smtClean="0"/>
+              <a:rPr lang="es-ES" sz="1200" b="1" dirty="0"/>
               <a:t>Traducir</a:t>
             </a:r>
-            <a:endParaRPr lang="es-ES" sz="1200" b="1" dirty="0"/>
           </a:p>
         </p:txBody>
       </p:sp>
@@ -5080,18 +4954,13 @@
           <a:p>
             <a:pPr algn="ctr"/>
             <a:r>
-              <a:rPr lang="es-ES" sz="1050" dirty="0" smtClean="0">
+              <a:rPr lang="es-ES" sz="1050" dirty="0">
                 <a:solidFill>
                   <a:schemeClr val="bg1"/>
                 </a:solidFill>
               </a:rPr>
-              <a:t>Trinomios</a:t>
-            </a:r>
-            <a:endParaRPr lang="es-ES" sz="1050" dirty="0">
-              <a:solidFill>
-                <a:schemeClr val="bg1"/>
-              </a:solidFill>
-            </a:endParaRPr>
+              <a:t>trinomios</a:t>
+            </a:r>
           </a:p>
         </p:txBody>
       </p:sp>
@@ -5140,18 +5009,13 @@
           <a:p>
             <a:pPr algn="ctr"/>
             <a:r>
-              <a:rPr lang="es-ES" sz="1050" dirty="0" smtClean="0">
+              <a:rPr lang="es-ES" sz="1050" dirty="0">
                 <a:solidFill>
                   <a:schemeClr val="bg1"/>
                 </a:solidFill>
               </a:rPr>
-              <a:t>Monomios</a:t>
-            </a:r>
-            <a:endParaRPr lang="es-ES" sz="1050" dirty="0">
-              <a:solidFill>
-                <a:schemeClr val="bg1"/>
-              </a:solidFill>
-            </a:endParaRPr>
+              <a:t>monomios</a:t>
+            </a:r>
           </a:p>
         </p:txBody>
       </p:sp>
@@ -5163,8 +5027,8 @@
         </p:nvSpPr>
         <p:spPr>
           <a:xfrm>
-            <a:off x="8058030" y="2859052"/>
-            <a:ext cx="720000" cy="357473"/>
+            <a:off x="7982430" y="2859052"/>
+            <a:ext cx="871200" cy="357473"/>
           </a:xfrm>
           <a:prstGeom prst="rect">
             <a:avLst/>
@@ -5200,18 +5064,13 @@
           <a:p>
             <a:pPr algn="ctr"/>
             <a:r>
-              <a:rPr lang="es-ES" sz="1050" dirty="0" smtClean="0">
+              <a:rPr lang="es-ES" sz="1050" dirty="0">
                 <a:solidFill>
                   <a:schemeClr val="bg1"/>
                 </a:solidFill>
               </a:rPr>
-              <a:t>Binomios</a:t>
-            </a:r>
-            <a:endParaRPr lang="es-ES" sz="1050" dirty="0">
-              <a:solidFill>
-                <a:schemeClr val="bg1"/>
-              </a:solidFill>
-            </a:endParaRPr>
+              <a:t>binomios</a:t>
+            </a:r>
           </a:p>
         </p:txBody>
       </p:sp>
@@ -5223,8 +5082,8 @@
         </p:nvSpPr>
         <p:spPr>
           <a:xfrm>
-            <a:off x="6944031" y="4626206"/>
-            <a:ext cx="739755" cy="266081"/>
+            <a:off x="6944031" y="4508541"/>
+            <a:ext cx="739755" cy="373808"/>
           </a:xfrm>
           <a:prstGeom prst="rect">
             <a:avLst/>
@@ -5292,10 +5151,9 @@
           <a:p>
             <a:pPr algn="ctr"/>
             <a:r>
-              <a:rPr lang="es-ES" sz="900" dirty="0" smtClean="0"/>
+              <a:rPr lang="es-ES" sz="900" dirty="0"/>
               <a:t>se simplifican con</a:t>
             </a:r>
-            <a:endParaRPr lang="es-ES" sz="900" dirty="0"/>
           </a:p>
         </p:txBody>
       </p:sp>
@@ -5307,8 +5165,8 @@
         </p:nvSpPr>
         <p:spPr>
           <a:xfrm>
-            <a:off x="7434663" y="5464792"/>
-            <a:ext cx="1118927" cy="371905"/>
+            <a:off x="7413825" y="5464792"/>
+            <a:ext cx="1160603" cy="371905"/>
           </a:xfrm>
           <a:prstGeom prst="rect">
             <a:avLst/>
@@ -5342,18 +5200,13 @@
           <a:p>
             <a:pPr algn="ctr"/>
             <a:r>
-              <a:rPr lang="es-ES" sz="900" dirty="0" smtClean="0">
+              <a:rPr lang="es-ES" sz="900" dirty="0">
                 <a:solidFill>
                   <a:schemeClr val="tx1"/>
                 </a:solidFill>
               </a:rPr>
               <a:t>adición y sustracción</a:t>
             </a:r>
-            <a:endParaRPr lang="es-ES" sz="900" dirty="0">
-              <a:solidFill>
-                <a:schemeClr val="tx1"/>
-              </a:solidFill>
-            </a:endParaRPr>
           </a:p>
         </p:txBody>
       </p:sp>
@@ -5402,18 +5255,13 @@
           <a:p>
             <a:pPr algn="ctr"/>
             <a:r>
-              <a:rPr lang="es-ES" sz="1050" dirty="0" smtClean="0">
+              <a:rPr lang="es-ES" sz="1050" dirty="0">
                 <a:solidFill>
                   <a:schemeClr val="bg1"/>
                 </a:solidFill>
               </a:rPr>
-              <a:t>Situaciones de cambio</a:t>
-            </a:r>
-            <a:endParaRPr lang="es-ES" sz="1050" dirty="0">
-              <a:solidFill>
-                <a:schemeClr val="bg1"/>
-              </a:solidFill>
-            </a:endParaRPr>
+              <a:t>situaciones de cambio</a:t>
+            </a:r>
           </a:p>
         </p:txBody>
       </p:sp>
@@ -5462,18 +5310,13 @@
           <a:p>
             <a:pPr algn="ctr"/>
             <a:r>
-              <a:rPr lang="es-ES" sz="1050" dirty="0" smtClean="0">
+              <a:rPr lang="es-ES" sz="1050" dirty="0">
                 <a:solidFill>
                   <a:schemeClr val="bg1"/>
                 </a:solidFill>
               </a:rPr>
-              <a:t>Expresiones verbales </a:t>
-            </a:r>
-            <a:endParaRPr lang="es-ES" sz="1050" dirty="0">
-              <a:solidFill>
-                <a:schemeClr val="bg1"/>
-              </a:solidFill>
-            </a:endParaRPr>
+              <a:t>expresiones verbales </a:t>
+            </a:r>
           </a:p>
         </p:txBody>
       </p:sp>
@@ -5485,8 +5328,8 @@
         </p:nvSpPr>
         <p:spPr>
           <a:xfrm>
-            <a:off x="944592" y="3342567"/>
-            <a:ext cx="1117174" cy="230832"/>
+            <a:off x="944592" y="3306170"/>
+            <a:ext cx="1117174" cy="209847"/>
           </a:xfrm>
           <a:prstGeom prst="rect">
             <a:avLst/>
@@ -5501,10 +5344,9 @@
           <a:p>
             <a:pPr algn="ctr"/>
             <a:r>
-              <a:rPr lang="es-ES" sz="900" dirty="0" smtClean="0"/>
+              <a:rPr lang="es-ES" sz="900" dirty="0"/>
               <a:t>que representan</a:t>
             </a:r>
-            <a:endParaRPr lang="es-ES" sz="900" dirty="0"/>
           </a:p>
         </p:txBody>
       </p:sp>
@@ -5516,7 +5358,7 @@
         </p:nvSpPr>
         <p:spPr>
           <a:xfrm>
-            <a:off x="539386" y="3683303"/>
+            <a:off x="617536" y="3683303"/>
             <a:ext cx="828000" cy="343441"/>
           </a:xfrm>
           <a:prstGeom prst="rect">
@@ -5553,18 +5395,13 @@
           <a:p>
             <a:pPr algn="ctr"/>
             <a:r>
-              <a:rPr lang="es-ES" sz="900" dirty="0" smtClean="0">
+              <a:rPr lang="es-ES" sz="900" dirty="0">
                 <a:solidFill>
                   <a:schemeClr val="tx1"/>
                 </a:solidFill>
               </a:rPr>
               <a:t>valores desconocidos</a:t>
             </a:r>
-            <a:endParaRPr lang="es-ES" sz="900" dirty="0">
-              <a:solidFill>
-                <a:schemeClr val="tx1"/>
-              </a:solidFill>
-            </a:endParaRPr>
           </a:p>
         </p:txBody>
       </p:sp>
@@ -5613,18 +5450,13 @@
           <a:p>
             <a:pPr algn="ctr"/>
             <a:r>
-              <a:rPr lang="es-ES" sz="1050" dirty="0" smtClean="0">
+              <a:rPr lang="es-ES" sz="1050" dirty="0">
                 <a:solidFill>
                   <a:schemeClr val="bg1"/>
                 </a:solidFill>
               </a:rPr>
-              <a:t>Letras</a:t>
-            </a:r>
-            <a:endParaRPr lang="es-ES" sz="1050" dirty="0">
-              <a:solidFill>
-                <a:schemeClr val="bg1"/>
-              </a:solidFill>
-            </a:endParaRPr>
+              <a:t>letras</a:t>
+            </a:r>
           </a:p>
         </p:txBody>
       </p:sp>
@@ -5673,18 +5505,13 @@
           <a:p>
             <a:pPr algn="ctr"/>
             <a:r>
-              <a:rPr lang="es-ES" sz="1050" dirty="0" smtClean="0">
+              <a:rPr lang="es-ES" sz="1050" dirty="0">
                 <a:solidFill>
                   <a:schemeClr val="bg1"/>
                 </a:solidFill>
               </a:rPr>
-              <a:t>Operaciones</a:t>
-            </a:r>
-            <a:endParaRPr lang="es-ES" sz="1050" dirty="0">
-              <a:solidFill>
-                <a:schemeClr val="bg1"/>
-              </a:solidFill>
-            </a:endParaRPr>
+              <a:t>operaciones</a:t>
+            </a:r>
           </a:p>
         </p:txBody>
       </p:sp>
@@ -5736,7 +5563,7 @@
         </p:nvSpPr>
         <p:spPr>
           <a:xfrm>
-            <a:off x="1638973" y="3684546"/>
+            <a:off x="1553008" y="3684546"/>
             <a:ext cx="828000" cy="343441"/>
           </a:xfrm>
           <a:prstGeom prst="rect">
@@ -5773,18 +5600,13 @@
           <a:p>
             <a:pPr algn="ctr"/>
             <a:r>
-              <a:rPr lang="es-ES" sz="900" dirty="0" smtClean="0">
+              <a:rPr lang="es-ES" sz="900" dirty="0">
                 <a:solidFill>
                   <a:schemeClr val="tx1"/>
                 </a:solidFill>
               </a:rPr>
               <a:t>valores que cambian</a:t>
             </a:r>
-            <a:endParaRPr lang="es-ES" sz="900" dirty="0">
-              <a:solidFill>
-                <a:schemeClr val="tx1"/>
-              </a:solidFill>
-            </a:endParaRPr>
           </a:p>
         </p:txBody>
       </p:sp>
@@ -5799,8 +5621,8 @@
         </p:nvCxnSpPr>
         <p:spPr>
           <a:xfrm rot="16200000" flipV="1">
-            <a:off x="1722503" y="3354076"/>
-            <a:ext cx="111147" cy="549794"/>
+            <a:off x="1650830" y="3368367"/>
+            <a:ext cx="168529" cy="463829"/>
           </a:xfrm>
           <a:prstGeom prst="bentConnector3">
             <a:avLst>
@@ -5840,7 +5662,7 @@
         <p:spPr>
           <a:xfrm flipV="1">
             <a:off x="1503179" y="3237020"/>
-            <a:ext cx="0" cy="105547"/>
+            <a:ext cx="0" cy="69150"/>
           </a:xfrm>
           <a:prstGeom prst="line">
             <a:avLst/>
@@ -6139,7 +5961,7 @@
           <a:p>
             <a:pPr algn="ctr"/>
             <a:r>
-              <a:rPr lang="es-ES" sz="900" dirty="0" smtClean="0">
+              <a:rPr lang="es-ES" sz="900" dirty="0">
                 <a:solidFill>
                   <a:schemeClr val="tx1"/>
                 </a:solidFill>
@@ -6150,7 +5972,7 @@
           <a:p>
             <a:pPr algn="ctr"/>
             <a:r>
-              <a:rPr lang="es-ES" sz="900" dirty="0" smtClean="0">
+              <a:rPr lang="es-ES" sz="900" dirty="0">
                 <a:solidFill>
                   <a:schemeClr val="tx1"/>
                 </a:solidFill>
@@ -6205,7 +6027,7 @@
           <a:p>
             <a:pPr algn="ctr"/>
             <a:r>
-              <a:rPr lang="es-ES" sz="900" dirty="0" smtClean="0">
+              <a:rPr lang="es-ES" sz="900" dirty="0">
                 <a:solidFill>
                   <a:schemeClr val="tx1"/>
                 </a:solidFill>
@@ -6258,7 +6080,7 @@
           <a:p>
             <a:pPr algn="ctr"/>
             <a:r>
-              <a:rPr lang="es-ES" sz="900" dirty="0" smtClean="0">
+              <a:rPr lang="es-ES" sz="900" dirty="0">
                 <a:solidFill>
                   <a:schemeClr val="tx1"/>
                 </a:solidFill>
@@ -6266,7 +6088,7 @@
               <a:t>2</a:t>
             </a:r>
             <a:r>
-              <a:rPr lang="es-ES" sz="900" i="1" dirty="0" smtClean="0">
+              <a:rPr lang="es-ES" sz="900" i="1" dirty="0">
                 <a:solidFill>
                   <a:schemeClr val="tx1"/>
                 </a:solidFill>
@@ -6274,47 +6096,23 @@
               <a:t>n</a:t>
             </a:r>
             <a:r>
-              <a:rPr lang="es-ES" sz="900" dirty="0" smtClean="0">
-                <a:solidFill>
-                  <a:schemeClr val="tx1"/>
-                </a:solidFill>
-              </a:rPr>
-              <a:t> </a:t>
-            </a:r>
-            <a:r>
               <a:rPr lang="es-ES" sz="900" dirty="0">
                 <a:solidFill>
                   <a:schemeClr val="tx1"/>
                 </a:solidFill>
               </a:rPr>
-              <a:t>– </a:t>
-            </a:r>
-            <a:r>
-              <a:rPr lang="es-ES" sz="900" dirty="0" smtClean="0">
-                <a:solidFill>
-                  <a:schemeClr val="tx1"/>
-                </a:solidFill>
-              </a:rPr>
-              <a:t>1</a:t>
+              <a:t> – 1</a:t>
             </a:r>
           </a:p>
           <a:p>
             <a:pPr algn="ctr"/>
-            <a:r>
-              <a:rPr lang="es-ES" sz="900" dirty="0" smtClean="0">
-                <a:solidFill>
-                  <a:schemeClr val="tx1"/>
-                </a:solidFill>
-              </a:rPr>
-              <a:t> </a:t>
-            </a:r>
             <a:r>
               <a:rPr lang="es-ES" sz="900" dirty="0">
                 <a:solidFill>
                   <a:schemeClr val="tx1"/>
                 </a:solidFill>
               </a:rPr>
-              <a:t>donde </a:t>
+              <a:t> donde </a:t>
             </a:r>
           </a:p>
           <a:p>
@@ -6381,7 +6179,7 @@
           <a:p>
             <a:pPr algn="ctr"/>
             <a:r>
-              <a:rPr lang="es-ES" sz="900" dirty="0" smtClean="0">
+              <a:rPr lang="es-ES" sz="900" dirty="0">
                 <a:solidFill>
                   <a:schemeClr val="tx1"/>
                 </a:solidFill>
@@ -6389,7 +6187,7 @@
               <a:t>[</a:t>
             </a:r>
             <a:r>
-              <a:rPr lang="es-ES" sz="900" i="1" dirty="0" smtClean="0">
+              <a:rPr lang="es-ES" sz="900" i="1" dirty="0">
                 <a:solidFill>
                   <a:schemeClr val="tx1"/>
                 </a:solidFill>
@@ -6397,7 +6195,7 @@
               <a:t>n </a:t>
             </a:r>
             <a:r>
-              <a:rPr lang="es-ES" sz="900" dirty="0" smtClean="0">
+              <a:rPr lang="es-ES" sz="900" dirty="0">
                 <a:solidFill>
                   <a:schemeClr val="tx1"/>
                 </a:solidFill>
@@ -6405,7 +6203,7 @@
               <a:t>(</a:t>
             </a:r>
             <a:r>
-              <a:rPr lang="es-ES" sz="900" i="1" dirty="0" smtClean="0">
+              <a:rPr lang="es-ES" sz="900" i="1" dirty="0">
                 <a:solidFill>
                   <a:schemeClr val="tx1"/>
                 </a:solidFill>
@@ -6413,7 +6211,7 @@
               <a:t>n </a:t>
             </a:r>
             <a:r>
-              <a:rPr lang="es-ES" sz="900" dirty="0" smtClean="0">
+              <a:rPr lang="es-ES" sz="900" dirty="0">
                 <a:solidFill>
                   <a:schemeClr val="tx1"/>
                 </a:solidFill>
@@ -6421,16 +6219,12 @@
               <a:t>– 3)] </a:t>
             </a:r>
             <a:r>
-              <a:rPr lang="es-ES_tradnl" sz="900" dirty="0" smtClean="0"/>
+              <a:rPr lang="es-ES_tradnl" sz="900" dirty="0"/>
               <a:t>÷</a:t>
             </a:r>
             <a:r>
               <a:rPr lang="es-CO" sz="900" dirty="0"/>
-              <a:t> </a:t>
-            </a:r>
-            <a:r>
-              <a:rPr lang="es-CO" sz="900" dirty="0" smtClean="0"/>
-              <a:t>2</a:t>
+              <a:t> 2</a:t>
             </a:r>
             <a:endParaRPr lang="es-ES" sz="900" dirty="0">
               <a:solidFill>
@@ -6441,18 +6235,13 @@
           <a:p>
             <a:pPr algn="ctr"/>
             <a:r>
-              <a:rPr lang="es-ES" sz="900" dirty="0" smtClean="0">
+              <a:rPr lang="es-ES" sz="900" dirty="0">
                 <a:solidFill>
                   <a:schemeClr val="tx1"/>
                 </a:solidFill>
               </a:rPr>
               <a:t>donde </a:t>
             </a:r>
-            <a:endParaRPr lang="es-ES" sz="900" dirty="0">
-              <a:solidFill>
-                <a:schemeClr val="tx1"/>
-              </a:solidFill>
-            </a:endParaRPr>
           </a:p>
           <a:p>
             <a:pPr algn="ctr"/>
@@ -6672,7 +6461,7 @@
           <a:p>
             <a:pPr algn="ctr"/>
             <a:r>
-              <a:rPr lang="es-ES" sz="900" smtClean="0">
+              <a:rPr lang="es-ES" sz="900">
                 <a:solidFill>
                   <a:schemeClr val="tx1"/>
                 </a:solidFill>
@@ -6680,7 +6469,7 @@
               <a:t>el </a:t>
             </a:r>
             <a:r>
-              <a:rPr lang="es-ES" sz="900" dirty="0" smtClean="0">
+              <a:rPr lang="es-ES" sz="900" dirty="0">
                 <a:solidFill>
                   <a:schemeClr val="tx1"/>
                 </a:solidFill>
@@ -6733,7 +6522,7 @@
           <a:p>
             <a:pPr algn="ctr"/>
             <a:r>
-              <a:rPr lang="es-ES" sz="900" dirty="0" smtClean="0">
+              <a:rPr lang="es-ES" sz="900" dirty="0">
                 <a:solidFill>
                   <a:schemeClr val="tx1"/>
                 </a:solidFill>
@@ -6741,7 +6530,7 @@
               <a:t>2</a:t>
             </a:r>
             <a:r>
-              <a:rPr lang="es-ES" sz="900" i="1" dirty="0" smtClean="0">
+              <a:rPr lang="es-ES" sz="900" i="1" dirty="0">
                 <a:solidFill>
                   <a:schemeClr val="tx1"/>
                 </a:solidFill>
@@ -6749,7 +6538,7 @@
               <a:t>y</a:t>
             </a:r>
             <a:r>
-              <a:rPr lang="es-ES" sz="900" dirty="0" smtClean="0">
+              <a:rPr lang="es-ES" sz="900" dirty="0">
                 <a:solidFill>
                   <a:schemeClr val="tx1"/>
                 </a:solidFill>
@@ -6760,7 +6549,7 @@
           <a:p>
             <a:pPr algn="ctr"/>
             <a:r>
-              <a:rPr lang="es-ES" sz="900" dirty="0" smtClean="0">
+              <a:rPr lang="es-ES" sz="900" dirty="0">
                 <a:solidFill>
                   <a:schemeClr val="tx1"/>
                 </a:solidFill>
@@ -6768,7 +6557,7 @@
               <a:t>donde </a:t>
             </a:r>
             <a:r>
-              <a:rPr lang="es-ES" sz="900" i="1" dirty="0" smtClean="0">
+              <a:rPr lang="es-ES" sz="900" i="1" dirty="0">
                 <a:solidFill>
                   <a:schemeClr val="tx1"/>
                 </a:solidFill>
@@ -6776,7 +6565,7 @@
               <a:t>y</a:t>
             </a:r>
             <a:r>
-              <a:rPr lang="es-ES" sz="900" dirty="0" smtClean="0">
+              <a:rPr lang="es-ES" sz="900" dirty="0">
                 <a:solidFill>
                   <a:schemeClr val="tx1"/>
                 </a:solidFill>
@@ -6912,7 +6701,7 @@
           <a:p>
             <a:pPr algn="ctr"/>
             <a:r>
-              <a:rPr lang="es-ES" sz="900" dirty="0" smtClean="0">
+              <a:rPr lang="es-ES" sz="900" dirty="0">
                 <a:solidFill>
                   <a:schemeClr val="tx1"/>
                 </a:solidFill>
@@ -6965,7 +6754,7 @@
           <a:p>
             <a:pPr algn="ctr"/>
             <a:r>
-              <a:rPr lang="es-ES" sz="900" dirty="0" smtClean="0">
+              <a:rPr lang="es-ES" sz="900" dirty="0">
                 <a:solidFill>
                   <a:schemeClr val="tx1"/>
                 </a:solidFill>
@@ -6973,7 +6762,7 @@
               <a:t>5</a:t>
             </a:r>
             <a:r>
-              <a:rPr lang="es-ES" sz="900" i="1" dirty="0" smtClean="0">
+              <a:rPr lang="es-ES" sz="900" i="1" dirty="0">
                 <a:solidFill>
                   <a:schemeClr val="tx1"/>
                 </a:solidFill>
@@ -6984,7 +6773,7 @@
           <a:p>
             <a:pPr algn="ctr"/>
             <a:r>
-              <a:rPr lang="es-ES" sz="900" dirty="0" smtClean="0">
+              <a:rPr lang="es-ES" sz="900" dirty="0">
                 <a:solidFill>
                   <a:schemeClr val="tx1"/>
                 </a:solidFill>
@@ -6995,7 +6784,7 @@
           <a:p>
             <a:pPr algn="ctr"/>
             <a:r>
-              <a:rPr lang="es-ES" sz="900" i="1" dirty="0" smtClean="0">
+              <a:rPr lang="es-ES" sz="900" i="1" dirty="0">
                 <a:solidFill>
                   <a:schemeClr val="tx1"/>
                 </a:solidFill>
@@ -7003,7 +6792,7 @@
               <a:t>d</a:t>
             </a:r>
             <a:r>
-              <a:rPr lang="es-ES" sz="900" dirty="0" smtClean="0">
+              <a:rPr lang="es-ES" sz="900" dirty="0">
                 <a:solidFill>
                   <a:schemeClr val="tx1"/>
                 </a:solidFill>
@@ -7181,8 +6970,8 @@
         </p:nvCxnSpPr>
         <p:spPr>
           <a:xfrm>
-            <a:off x="7313908" y="4025257"/>
-            <a:ext cx="0" cy="267106"/>
+            <a:off x="7313908" y="3978086"/>
+            <a:ext cx="1" cy="166957"/>
           </a:xfrm>
           <a:prstGeom prst="line">
             <a:avLst/>
@@ -7219,8 +7008,8 @@
         </p:nvCxnSpPr>
         <p:spPr>
           <a:xfrm>
-            <a:off x="7313908" y="4523195"/>
-            <a:ext cx="1" cy="103011"/>
+            <a:off x="7313909" y="4375875"/>
+            <a:ext cx="0" cy="132666"/>
           </a:xfrm>
           <a:prstGeom prst="line">
             <a:avLst/>
@@ -7254,8 +7043,8 @@
         </p:nvSpPr>
         <p:spPr>
           <a:xfrm>
-            <a:off x="6295392" y="6031187"/>
-            <a:ext cx="919857" cy="468000"/>
+            <a:off x="6196734" y="6031187"/>
+            <a:ext cx="1117174" cy="468000"/>
           </a:xfrm>
           <a:prstGeom prst="rect">
             <a:avLst/>
@@ -7289,7 +7078,7 @@
           <a:p>
             <a:pPr algn="ctr"/>
             <a:r>
-              <a:rPr lang="es-CO" sz="900" dirty="0" smtClean="0">
+              <a:rPr lang="es-CO" sz="900" dirty="0">
                 <a:solidFill>
                   <a:schemeClr val="tx1"/>
                 </a:solidFill>
@@ -7297,7 +7086,7 @@
               <a:t>15</a:t>
             </a:r>
             <a:r>
-              <a:rPr lang="es-CO" sz="900" i="1" dirty="0" smtClean="0">
+              <a:rPr lang="es-CO" sz="900" i="1" dirty="0">
                 <a:solidFill>
                   <a:schemeClr val="tx1"/>
                 </a:solidFill>
@@ -7305,7 +7094,7 @@
               <a:t>mn </a:t>
             </a:r>
             <a:r>
-              <a:rPr lang="es-CO" sz="900" dirty="0" smtClean="0">
+              <a:rPr lang="es-CO" sz="900" dirty="0">
                 <a:solidFill>
                   <a:schemeClr val="tx1"/>
                 </a:solidFill>
@@ -7313,7 +7102,7 @@
               <a:t>y –9</a:t>
             </a:r>
             <a:r>
-              <a:rPr lang="es-CO" sz="900" i="1" dirty="0" smtClean="0">
+              <a:rPr lang="es-CO" sz="900" i="1" dirty="0">
                 <a:solidFill>
                   <a:schemeClr val="tx1"/>
                 </a:solidFill>
@@ -7324,7 +7113,7 @@
           <a:p>
             <a:pPr algn="ctr"/>
             <a:r>
-              <a:rPr lang="es-CO" sz="900" dirty="0" smtClean="0">
+              <a:rPr lang="es-CO" sz="900" dirty="0">
                 <a:solidFill>
                   <a:schemeClr val="tx1"/>
                 </a:solidFill>
@@ -7385,8 +7174,8 @@
         </p:nvSpPr>
         <p:spPr>
           <a:xfrm>
-            <a:off x="7413825" y="6066708"/>
-            <a:ext cx="1160603" cy="396958"/>
+            <a:off x="7413825" y="6031187"/>
+            <a:ext cx="1160603" cy="467999"/>
           </a:xfrm>
           <a:prstGeom prst="rect">
             <a:avLst/>
@@ -7419,39 +7208,27 @@
           <a:lstStyle/>
           <a:p>
             <a:r>
-              <a:rPr lang="es-ES_tradnl" sz="900" dirty="0" smtClean="0"/>
+              <a:rPr lang="es-ES_tradnl" sz="900" dirty="0"/>
               <a:t>8</a:t>
             </a:r>
             <a:r>
-              <a:rPr lang="es-ES_tradnl" sz="900" i="1" dirty="0" smtClean="0"/>
+              <a:rPr lang="es-ES_tradnl" sz="900" i="1" dirty="0"/>
               <a:t>ax</a:t>
             </a:r>
             <a:r>
-              <a:rPr lang="es-ES_tradnl" sz="900" dirty="0" smtClean="0"/>
-              <a:t> </a:t>
-            </a:r>
-            <a:r>
               <a:rPr lang="es-ES_tradnl" sz="900" dirty="0"/>
-              <a:t>+ (–</a:t>
-            </a:r>
-            <a:r>
-              <a:rPr lang="es-ES_tradnl" sz="900" dirty="0" smtClean="0"/>
-              <a:t>5</a:t>
-            </a:r>
-            <a:r>
-              <a:rPr lang="es-ES_tradnl" sz="900" i="1" dirty="0" smtClean="0"/>
+              <a:t> + (–5</a:t>
+            </a:r>
+            <a:r>
+              <a:rPr lang="es-ES_tradnl" sz="900" i="1" dirty="0"/>
               <a:t>ax</a:t>
             </a:r>
             <a:r>
               <a:rPr lang="es-ES_tradnl" sz="900" dirty="0"/>
-              <a:t>) = </a:t>
-            </a:r>
-            <a:r>
-              <a:rPr lang="es-ES_tradnl" sz="900" dirty="0" smtClean="0"/>
-              <a:t>3</a:t>
-            </a:r>
-            <a:r>
-              <a:rPr lang="es-ES_tradnl" sz="900" i="1" dirty="0" smtClean="0"/>
+              <a:t>) = 3</a:t>
+            </a:r>
+            <a:r>
+              <a:rPr lang="es-ES_tradnl" sz="900" i="1" dirty="0"/>
               <a:t>ax</a:t>
             </a:r>
             <a:endParaRPr lang="es-CO" sz="900" i="1" dirty="0"/>
@@ -7460,50 +7237,30 @@
             <a:pPr algn="ctr"/>
             <a:r>
               <a:rPr lang="es-ES_tradnl" sz="900" dirty="0"/>
-              <a:t>–</a:t>
-            </a:r>
-            <a:r>
-              <a:rPr lang="es-ES_tradnl" sz="900" dirty="0" smtClean="0"/>
-              <a:t>27</a:t>
-            </a:r>
-            <a:r>
-              <a:rPr lang="es-ES_tradnl" sz="900" i="1" dirty="0" smtClean="0"/>
+              <a:t>–27</a:t>
+            </a:r>
+            <a:r>
+              <a:rPr lang="es-ES_tradnl" sz="900" i="1" dirty="0"/>
               <a:t>p</a:t>
             </a:r>
             <a:r>
-              <a:rPr lang="es-ES_tradnl" sz="900" dirty="0" smtClean="0"/>
-              <a:t> </a:t>
-            </a:r>
-            <a:r>
               <a:rPr lang="es-ES_tradnl" sz="900" dirty="0"/>
-              <a:t>+ </a:t>
-            </a:r>
-            <a:r>
-              <a:rPr lang="es-ES_tradnl" sz="900" dirty="0" smtClean="0"/>
-              <a:t>19</a:t>
-            </a:r>
-            <a:r>
-              <a:rPr lang="es-ES_tradnl" sz="900" i="1" dirty="0" smtClean="0"/>
+              <a:t> + 19</a:t>
+            </a:r>
+            <a:r>
+              <a:rPr lang="es-ES_tradnl" sz="900" i="1" dirty="0"/>
               <a:t>p</a:t>
             </a:r>
             <a:r>
-              <a:rPr lang="es-ES_tradnl" sz="900" dirty="0" smtClean="0"/>
-              <a:t> </a:t>
-            </a:r>
-            <a:r>
               <a:rPr lang="es-ES_tradnl" sz="900" dirty="0"/>
-              <a:t>= –</a:t>
-            </a:r>
-            <a:r>
-              <a:rPr lang="es-ES_tradnl" sz="900" dirty="0" smtClean="0"/>
-              <a:t>8</a:t>
-            </a:r>
-            <a:r>
-              <a:rPr lang="es-ES_tradnl" sz="900" i="1" dirty="0" smtClean="0"/>
+              <a:t> = –8</a:t>
+            </a:r>
+            <a:r>
+              <a:rPr lang="es-ES_tradnl" sz="900" i="1" dirty="0"/>
               <a:t>p</a:t>
             </a:r>
             <a:r>
-              <a:rPr lang="es-ES_tradnl" sz="900" dirty="0" smtClean="0"/>
+              <a:rPr lang="es-ES_tradnl" sz="900" dirty="0"/>
               <a:t>   </a:t>
             </a:r>
             <a:endParaRPr lang="es-CO" sz="900" dirty="0"/>
@@ -7522,7 +7279,7 @@
         <p:spPr>
           <a:xfrm>
             <a:off x="7994127" y="5836697"/>
-            <a:ext cx="0" cy="230011"/>
+            <a:ext cx="0" cy="194490"/>
           </a:xfrm>
           <a:prstGeom prst="line">
             <a:avLst/>
@@ -7556,8 +7313,8 @@
         </p:nvSpPr>
         <p:spPr>
           <a:xfrm>
-            <a:off x="6886108" y="3523232"/>
-            <a:ext cx="855600" cy="502025"/>
+            <a:off x="6886108" y="3510086"/>
+            <a:ext cx="855600" cy="468000"/>
           </a:xfrm>
           <a:prstGeom prst="rect">
             <a:avLst/>
@@ -7598,21 +7355,13 @@
                   <a:schemeClr val="tx1"/>
                 </a:solidFill>
               </a:rPr>
-              <a:t>tienen un solo </a:t>
-            </a:r>
-            <a:r>
-              <a:rPr lang="es-ES" sz="900" dirty="0" smtClean="0">
-                <a:solidFill>
-                  <a:schemeClr val="tx1"/>
-                </a:solidFill>
-              </a:rPr>
-              <a:t>término y no hay + o </a:t>
-            </a:r>
-            <a:r>
-              <a:rPr lang="es-ES_tradnl" sz="900" dirty="0" smtClean="0"/>
+              <a:t>tienen un solo término y no hay + o </a:t>
+            </a:r>
+            <a:r>
+              <a:rPr lang="es-ES_tradnl" sz="900" dirty="0"/>
               <a:t>–</a:t>
             </a:r>
-            <a:endParaRPr lang="es-ES" sz="900" dirty="0" smtClean="0">
+            <a:endParaRPr lang="es-ES" sz="900" dirty="0">
               <a:solidFill>
                 <a:schemeClr val="tx1"/>
               </a:solidFill>
@@ -7703,7 +7452,7 @@
           <a:p>
             <a:pPr algn="ctr"/>
             <a:r>
-              <a:rPr lang="es-CO" sz="900" dirty="0" smtClean="0">
+              <a:rPr lang="es-CO" sz="900" dirty="0">
                 <a:solidFill>
                   <a:schemeClr val="tx1"/>
                 </a:solidFill>
@@ -7711,23 +7460,15 @@
               <a:t>dos monomios relacionados con</a:t>
             </a:r>
             <a:r>
-              <a:rPr lang="es-ES" sz="900" dirty="0" smtClean="0">
-                <a:solidFill>
-                  <a:schemeClr val="tx1"/>
-                </a:solidFill>
-              </a:rPr>
-              <a:t> </a:t>
-            </a:r>
-            <a:r>
               <a:rPr lang="es-ES" sz="900" dirty="0">
                 <a:solidFill>
                   <a:schemeClr val="tx1"/>
                 </a:solidFill>
               </a:rPr>
-              <a:t>+ o </a:t>
-            </a:r>
-            <a:r>
-              <a:rPr lang="es-ES_tradnl" sz="900" dirty="0" smtClean="0"/>
+              <a:t> + o </a:t>
+            </a:r>
+            <a:r>
+              <a:rPr lang="es-ES_tradnl" sz="900" dirty="0"/>
               <a:t>–</a:t>
             </a:r>
             <a:endParaRPr lang="es-ES" sz="900" dirty="0">
@@ -7750,7 +7491,7 @@
         <p:spPr>
           <a:xfrm>
             <a:off x="7313908" y="3216856"/>
-            <a:ext cx="0" cy="306376"/>
+            <a:ext cx="0" cy="293230"/>
           </a:xfrm>
           <a:prstGeom prst="line">
             <a:avLst/>
@@ -7800,10 +7541,9 @@
           <a:p>
             <a:pPr algn="ctr"/>
             <a:r>
-              <a:rPr lang="es-ES" sz="900" dirty="0" smtClean="0"/>
+              <a:rPr lang="es-ES" sz="900" dirty="0"/>
               <a:t>se simplifican</a:t>
             </a:r>
-            <a:endParaRPr lang="es-ES" sz="900" dirty="0"/>
           </a:p>
         </p:txBody>
       </p:sp>
@@ -7850,18 +7590,13 @@
           <a:p>
             <a:pPr algn="ctr"/>
             <a:r>
-              <a:rPr lang="es-ES" sz="900" dirty="0" smtClean="0">
+              <a:rPr lang="es-ES" sz="900" dirty="0">
                 <a:solidFill>
                   <a:schemeClr val="tx1"/>
                 </a:solidFill>
               </a:rPr>
               <a:t>sumando o restando monomios semejantes</a:t>
             </a:r>
-            <a:endParaRPr lang="es-ES" sz="900" dirty="0">
-              <a:solidFill>
-                <a:schemeClr val="tx1"/>
-              </a:solidFill>
-            </a:endParaRPr>
           </a:p>
         </p:txBody>
       </p:sp>
@@ -7951,13 +7686,6 @@
   <p:clrMapOvr>
     <a:masterClrMapping/>
   </p:clrMapOvr>
-  <p:timing>
-    <p:tnLst>
-      <p:par>
-        <p:cTn id="1" dur="indefinite" restart="never" nodeType="tmRoot"/>
-      </p:par>
-    </p:tnLst>
-  </p:timing>
 </p:sld>
 </file>
 
